--- a/images/Elpis/og.pptx
+++ b/images/Elpis/og.pptx
@@ -243,7 +243,7 @@
           <a:p>
             <a:fld id="{5D91E7F8-C73F-4BD7-B1F5-97F9207EDE91}" type="datetimeFigureOut">
               <a:rPr lang="en-US" smtClean="0"/>
-              <a:t>5/18/2022</a:t>
+              <a:t>6/20/2022</a:t>
             </a:fld>
             <a:endParaRPr lang="en-US"/>
           </a:p>
@@ -413,7 +413,7 @@
           <a:p>
             <a:fld id="{5D91E7F8-C73F-4BD7-B1F5-97F9207EDE91}" type="datetimeFigureOut">
               <a:rPr lang="en-US" smtClean="0"/>
-              <a:t>5/18/2022</a:t>
+              <a:t>6/20/2022</a:t>
             </a:fld>
             <a:endParaRPr lang="en-US"/>
           </a:p>
@@ -593,7 +593,7 @@
           <a:p>
             <a:fld id="{5D91E7F8-C73F-4BD7-B1F5-97F9207EDE91}" type="datetimeFigureOut">
               <a:rPr lang="en-US" smtClean="0"/>
-              <a:t>5/18/2022</a:t>
+              <a:t>6/20/2022</a:t>
             </a:fld>
             <a:endParaRPr lang="en-US"/>
           </a:p>
@@ -763,7 +763,7 @@
           <a:p>
             <a:fld id="{5D91E7F8-C73F-4BD7-B1F5-97F9207EDE91}" type="datetimeFigureOut">
               <a:rPr lang="en-US" smtClean="0"/>
-              <a:t>5/18/2022</a:t>
+              <a:t>6/20/2022</a:t>
             </a:fld>
             <a:endParaRPr lang="en-US"/>
           </a:p>
@@ -1009,7 +1009,7 @@
           <a:p>
             <a:fld id="{5D91E7F8-C73F-4BD7-B1F5-97F9207EDE91}" type="datetimeFigureOut">
               <a:rPr lang="en-US" smtClean="0"/>
-              <a:t>5/18/2022</a:t>
+              <a:t>6/20/2022</a:t>
             </a:fld>
             <a:endParaRPr lang="en-US"/>
           </a:p>
@@ -1241,7 +1241,7 @@
           <a:p>
             <a:fld id="{5D91E7F8-C73F-4BD7-B1F5-97F9207EDE91}" type="datetimeFigureOut">
               <a:rPr lang="en-US" smtClean="0"/>
-              <a:t>5/18/2022</a:t>
+              <a:t>6/20/2022</a:t>
             </a:fld>
             <a:endParaRPr lang="en-US"/>
           </a:p>
@@ -1608,7 +1608,7 @@
           <a:p>
             <a:fld id="{5D91E7F8-C73F-4BD7-B1F5-97F9207EDE91}" type="datetimeFigureOut">
               <a:rPr lang="en-US" smtClean="0"/>
-              <a:t>5/18/2022</a:t>
+              <a:t>6/20/2022</a:t>
             </a:fld>
             <a:endParaRPr lang="en-US"/>
           </a:p>
@@ -1726,7 +1726,7 @@
           <a:p>
             <a:fld id="{5D91E7F8-C73F-4BD7-B1F5-97F9207EDE91}" type="datetimeFigureOut">
               <a:rPr lang="en-US" smtClean="0"/>
-              <a:t>5/18/2022</a:t>
+              <a:t>6/20/2022</a:t>
             </a:fld>
             <a:endParaRPr lang="en-US"/>
           </a:p>
@@ -1821,7 +1821,7 @@
           <a:p>
             <a:fld id="{5D91E7F8-C73F-4BD7-B1F5-97F9207EDE91}" type="datetimeFigureOut">
               <a:rPr lang="en-US" smtClean="0"/>
-              <a:t>5/18/2022</a:t>
+              <a:t>6/20/2022</a:t>
             </a:fld>
             <a:endParaRPr lang="en-US"/>
           </a:p>
@@ -2098,7 +2098,7 @@
           <a:p>
             <a:fld id="{5D91E7F8-C73F-4BD7-B1F5-97F9207EDE91}" type="datetimeFigureOut">
               <a:rPr lang="en-US" smtClean="0"/>
-              <a:t>5/18/2022</a:t>
+              <a:t>6/20/2022</a:t>
             </a:fld>
             <a:endParaRPr lang="en-US"/>
           </a:p>
@@ -2351,7 +2351,7 @@
           <a:p>
             <a:fld id="{5D91E7F8-C73F-4BD7-B1F5-97F9207EDE91}" type="datetimeFigureOut">
               <a:rPr lang="en-US" smtClean="0"/>
-              <a:t>5/18/2022</a:t>
+              <a:t>6/20/2022</a:t>
             </a:fld>
             <a:endParaRPr lang="en-US"/>
           </a:p>
@@ -2564,7 +2564,7 @@
           <a:p>
             <a:fld id="{5D91E7F8-C73F-4BD7-B1F5-97F9207EDE91}" type="datetimeFigureOut">
               <a:rPr lang="en-US" smtClean="0"/>
-              <a:t>5/18/2022</a:t>
+              <a:t>6/20/2022</a:t>
             </a:fld>
             <a:endParaRPr lang="en-US"/>
           </a:p>
@@ -3025,8 +3025,8 @@
         </p:nvSpPr>
         <p:spPr>
           <a:xfrm>
-            <a:off x="-4562475" y="-1323439"/>
-            <a:ext cx="18431999" cy="2646878"/>
+            <a:off x="-4562477" y="0"/>
+            <a:ext cx="18431999" cy="2215991"/>
           </a:xfrm>
           <a:prstGeom prst="rect">
             <a:avLst/>
@@ -3041,7 +3041,7 @@
           <a:p>
             <a:pPr algn="ctr"/>
             <a:r>
-              <a:rPr lang="en-US" sz="16600" dirty="0" smtClean="0">
+              <a:rPr lang="en-US" sz="13800" dirty="0" smtClean="0">
                 <a:solidFill>
                   <a:schemeClr val="bg1"/>
                 </a:solidFill>
@@ -3049,7 +3049,7 @@
               </a:rPr>
               <a:t>Elpis Works</a:t>
             </a:r>
-            <a:endParaRPr lang="en-US" sz="16600" dirty="0">
+            <a:endParaRPr lang="en-US" sz="13800" dirty="0">
               <a:solidFill>
                 <a:schemeClr val="bg1"/>
               </a:solidFill>
@@ -3066,8 +3066,8 @@
         </p:nvSpPr>
         <p:spPr>
           <a:xfrm>
-            <a:off x="-3601989" y="2793550"/>
-            <a:ext cx="16511026" cy="3631763"/>
+            <a:off x="-805071" y="2747288"/>
+            <a:ext cx="10917189" cy="2039020"/>
           </a:xfrm>
           <a:prstGeom prst="rect">
             <a:avLst/>
@@ -3086,7 +3086,7 @@
               </a:lnSpc>
             </a:pPr>
             <a:r>
-              <a:rPr lang="en-US" sz="8000" dirty="0" smtClean="0">
+              <a:rPr lang="en-US" sz="4400" dirty="0" smtClean="0">
                 <a:solidFill>
                   <a:schemeClr val="bg1"/>
                 </a:solidFill>
@@ -3094,7 +3094,7 @@
               </a:rPr>
               <a:t>Check out some of the projects made by Elpis</a:t>
             </a:r>
-            <a:endParaRPr lang="en-US" sz="8000" dirty="0">
+            <a:endParaRPr lang="en-US" sz="4400" dirty="0">
               <a:solidFill>
                 <a:schemeClr val="bg1"/>
               </a:solidFill>
